--- a/Clase 5/Javascript/Clase8.pptx
+++ b/Clase 5/Javascript/Clase8.pptx
@@ -11788,14 +11788,9 @@
           <a:lstStyle/>
           <a:p>
             <a:r>
-              <a:rPr lang="es-CR" dirty="0"/>
-              <a:t>Bootstrap y </a:t>
-            </a:r>
-            <a:r>
-              <a:rPr lang="es-ES" dirty="0" err="1"/>
-              <a:t>Materialize</a:t>
-            </a:r>
-            <a:endParaRPr lang="es-ES" dirty="0"/>
+              <a:rPr lang="es-ES" dirty="0"/>
+              <a:t>JavaScript</a:t>
+            </a:r>
           </a:p>
         </p:txBody>
       </p:sp>
